--- a/Report.pptx
+++ b/Report.pptx
@@ -268,7 +268,7 @@
           <a:p>
             <a:fld id="{4AA41768-7C5E-437B-A56A-2EA646623107}" type="datetimeFigureOut">
               <a:rPr lang="en-IN" smtClean="0"/>
-              <a:t>26-10-2020</a:t>
+              <a:t>28-10-2020</a:t>
             </a:fld>
             <a:endParaRPr lang="en-IN"/>
           </a:p>
@@ -468,7 +468,7 @@
           <a:p>
             <a:fld id="{4AA41768-7C5E-437B-A56A-2EA646623107}" type="datetimeFigureOut">
               <a:rPr lang="en-IN" smtClean="0"/>
-              <a:t>26-10-2020</a:t>
+              <a:t>28-10-2020</a:t>
             </a:fld>
             <a:endParaRPr lang="en-IN"/>
           </a:p>
@@ -678,7 +678,7 @@
           <a:p>
             <a:fld id="{4AA41768-7C5E-437B-A56A-2EA646623107}" type="datetimeFigureOut">
               <a:rPr lang="en-IN" smtClean="0"/>
-              <a:t>26-10-2020</a:t>
+              <a:t>28-10-2020</a:t>
             </a:fld>
             <a:endParaRPr lang="en-IN"/>
           </a:p>
@@ -878,7 +878,7 @@
           <a:p>
             <a:fld id="{4AA41768-7C5E-437B-A56A-2EA646623107}" type="datetimeFigureOut">
               <a:rPr lang="en-IN" smtClean="0"/>
-              <a:t>26-10-2020</a:t>
+              <a:t>28-10-2020</a:t>
             </a:fld>
             <a:endParaRPr lang="en-IN"/>
           </a:p>
@@ -1154,7 +1154,7 @@
           <a:p>
             <a:fld id="{4AA41768-7C5E-437B-A56A-2EA646623107}" type="datetimeFigureOut">
               <a:rPr lang="en-IN" smtClean="0"/>
-              <a:t>26-10-2020</a:t>
+              <a:t>28-10-2020</a:t>
             </a:fld>
             <a:endParaRPr lang="en-IN"/>
           </a:p>
@@ -1422,7 +1422,7 @@
           <a:p>
             <a:fld id="{4AA41768-7C5E-437B-A56A-2EA646623107}" type="datetimeFigureOut">
               <a:rPr lang="en-IN" smtClean="0"/>
-              <a:t>26-10-2020</a:t>
+              <a:t>28-10-2020</a:t>
             </a:fld>
             <a:endParaRPr lang="en-IN"/>
           </a:p>
@@ -1837,7 +1837,7 @@
           <a:p>
             <a:fld id="{4AA41768-7C5E-437B-A56A-2EA646623107}" type="datetimeFigureOut">
               <a:rPr lang="en-IN" smtClean="0"/>
-              <a:t>26-10-2020</a:t>
+              <a:t>28-10-2020</a:t>
             </a:fld>
             <a:endParaRPr lang="en-IN"/>
           </a:p>
@@ -1979,7 +1979,7 @@
           <a:p>
             <a:fld id="{4AA41768-7C5E-437B-A56A-2EA646623107}" type="datetimeFigureOut">
               <a:rPr lang="en-IN" smtClean="0"/>
-              <a:t>26-10-2020</a:t>
+              <a:t>28-10-2020</a:t>
             </a:fld>
             <a:endParaRPr lang="en-IN"/>
           </a:p>
@@ -2092,7 +2092,7 @@
           <a:p>
             <a:fld id="{4AA41768-7C5E-437B-A56A-2EA646623107}" type="datetimeFigureOut">
               <a:rPr lang="en-IN" smtClean="0"/>
-              <a:t>26-10-2020</a:t>
+              <a:t>28-10-2020</a:t>
             </a:fld>
             <a:endParaRPr lang="en-IN"/>
           </a:p>
@@ -2405,7 +2405,7 @@
           <a:p>
             <a:fld id="{4AA41768-7C5E-437B-A56A-2EA646623107}" type="datetimeFigureOut">
               <a:rPr lang="en-IN" smtClean="0"/>
-              <a:t>26-10-2020</a:t>
+              <a:t>28-10-2020</a:t>
             </a:fld>
             <a:endParaRPr lang="en-IN"/>
           </a:p>
@@ -2694,7 +2694,7 @@
           <a:p>
             <a:fld id="{4AA41768-7C5E-437B-A56A-2EA646623107}" type="datetimeFigureOut">
               <a:rPr lang="en-IN" smtClean="0"/>
-              <a:t>26-10-2020</a:t>
+              <a:t>28-10-2020</a:t>
             </a:fld>
             <a:endParaRPr lang="en-IN"/>
           </a:p>
@@ -2937,7 +2937,7 @@
           <a:p>
             <a:fld id="{4AA41768-7C5E-437B-A56A-2EA646623107}" type="datetimeFigureOut">
               <a:rPr lang="en-IN" smtClean="0"/>
-              <a:t>26-10-2020</a:t>
+              <a:t>28-10-2020</a:t>
             </a:fld>
             <a:endParaRPr lang="en-IN"/>
           </a:p>
@@ -3493,10 +3493,10 @@
           <a:lstStyle/>
           <a:p>
             <a:r>
-              <a:rPr lang="en-IN" sz="2200" dirty="0">
+              <a:rPr lang="en-US" sz="2200" dirty="0">
                 <a:latin typeface="+mj-lt"/>
               </a:rPr>
-              <a:t>To reduce cost to acquire new customer.</a:t>
+              <a:t>To reduce customer acquisition cost to bank by retaining current customers.</a:t>
             </a:r>
           </a:p>
           <a:p>
